--- a/assets/document/남부발전 SSO적용. MMS 기능개발.pptx
+++ b/assets/document/남부발전 SSO적용. MMS 기능개발.pptx
@@ -104,6 +104,11 @@
       </a:defRPr>
     </a:lvl9pPr>
   </p:defaultTextStyle>
+  <p:extLst>
+    <p:ext uri="{EFAFB233-063F-42B5-8137-9DF3F51BA10A}">
+      <p15:sldGuideLst xmlns:p15="http://schemas.microsoft.com/office/powerpoint/2012/main"/>
+    </p:ext>
+  </p:extLst>
 </p:presentation>
 </file>
 
@@ -164,7 +169,6 @@
               <a:rPr lang="ko-KR" altLang="en-US"/>
               <a:t>마스터 제목 스타일 편집</a:t>
             </a:r>
-            <a:endParaRPr lang="ko-KR" altLang="en-US"/>
           </a:p>
         </p:txBody>
       </p:sp>
@@ -229,7 +233,6 @@
               <a:rPr lang="ko-KR" altLang="en-US"/>
               <a:t>클릭하여 마스터 부제목 스타일 편집</a:t>
             </a:r>
-            <a:endParaRPr lang="ko-KR" altLang="en-US"/>
           </a:p>
         </p:txBody>
       </p:sp>
@@ -347,7 +350,6 @@
               <a:rPr lang="ko-KR" altLang="en-US"/>
               <a:t>마스터 제목 스타일 편집</a:t>
             </a:r>
-            <a:endParaRPr lang="ko-KR" altLang="en-US"/>
           </a:p>
         </p:txBody>
       </p:sp>
@@ -399,7 +401,6 @@
               <a:rPr lang="ko-KR" altLang="en-US"/>
               <a:t>다섯째 수준</a:t>
             </a:r>
-            <a:endParaRPr lang="ko-KR" altLang="en-US"/>
           </a:p>
         </p:txBody>
       </p:sp>
@@ -522,7 +523,6 @@
               <a:rPr lang="ko-KR" altLang="en-US"/>
               <a:t>마스터 제목 스타일 편집</a:t>
             </a:r>
-            <a:endParaRPr lang="ko-KR" altLang="en-US"/>
           </a:p>
         </p:txBody>
       </p:sp>
@@ -579,7 +579,6 @@
               <a:rPr lang="ko-KR" altLang="en-US"/>
               <a:t>다섯째 수준</a:t>
             </a:r>
-            <a:endParaRPr lang="ko-KR" altLang="en-US"/>
           </a:p>
         </p:txBody>
       </p:sp>
@@ -697,7 +696,6 @@
               <a:rPr lang="ko-KR" altLang="en-US"/>
               <a:t>마스터 제목 스타일 편집</a:t>
             </a:r>
-            <a:endParaRPr lang="ko-KR" altLang="en-US"/>
           </a:p>
         </p:txBody>
       </p:sp>
@@ -749,7 +747,6 @@
               <a:rPr lang="ko-KR" altLang="en-US"/>
               <a:t>다섯째 수준</a:t>
             </a:r>
-            <a:endParaRPr lang="ko-KR" altLang="en-US"/>
           </a:p>
         </p:txBody>
       </p:sp>
@@ -876,7 +873,6 @@
               <a:rPr lang="ko-KR" altLang="en-US"/>
               <a:t>마스터 제목 스타일 편집</a:t>
             </a:r>
-            <a:endParaRPr lang="ko-KR" altLang="en-US"/>
           </a:p>
         </p:txBody>
       </p:sp>
@@ -1113,7 +1109,6 @@
               <a:rPr lang="ko-KR" altLang="en-US"/>
               <a:t>마스터 제목 스타일 편집</a:t>
             </a:r>
-            <a:endParaRPr lang="ko-KR" altLang="en-US"/>
           </a:p>
         </p:txBody>
       </p:sp>
@@ -1170,7 +1165,6 @@
               <a:rPr lang="ko-KR" altLang="en-US"/>
               <a:t>다섯째 수준</a:t>
             </a:r>
-            <a:endParaRPr lang="ko-KR" altLang="en-US"/>
           </a:p>
         </p:txBody>
       </p:sp>
@@ -1227,7 +1221,6 @@
               <a:rPr lang="ko-KR" altLang="en-US"/>
               <a:t>다섯째 수준</a:t>
             </a:r>
-            <a:endParaRPr lang="ko-KR" altLang="en-US"/>
           </a:p>
         </p:txBody>
       </p:sp>
@@ -1350,7 +1343,6 @@
               <a:rPr lang="ko-KR" altLang="en-US"/>
               <a:t>마스터 제목 스타일 편집</a:t>
             </a:r>
-            <a:endParaRPr lang="ko-KR" altLang="en-US"/>
           </a:p>
         </p:txBody>
       </p:sp>
@@ -1472,7 +1464,6 @@
               <a:rPr lang="ko-KR" altLang="en-US"/>
               <a:t>다섯째 수준</a:t>
             </a:r>
-            <a:endParaRPr lang="ko-KR" altLang="en-US"/>
           </a:p>
         </p:txBody>
       </p:sp>
@@ -1594,7 +1585,6 @@
               <a:rPr lang="ko-KR" altLang="en-US"/>
               <a:t>다섯째 수준</a:t>
             </a:r>
-            <a:endParaRPr lang="ko-KR" altLang="en-US"/>
           </a:p>
         </p:txBody>
       </p:sp>
@@ -1712,7 +1702,6 @@
               <a:rPr lang="ko-KR" altLang="en-US"/>
               <a:t>마스터 제목 스타일 편집</a:t>
             </a:r>
-            <a:endParaRPr lang="ko-KR" altLang="en-US"/>
           </a:p>
         </p:txBody>
       </p:sp>
@@ -1934,7 +1923,6 @@
               <a:rPr lang="ko-KR" altLang="en-US"/>
               <a:t>마스터 제목 스타일 편집</a:t>
             </a:r>
-            <a:endParaRPr lang="ko-KR" altLang="en-US"/>
           </a:p>
         </p:txBody>
       </p:sp>
@@ -2019,7 +2007,6 @@
               <a:rPr lang="ko-KR" altLang="en-US"/>
               <a:t>다섯째 수준</a:t>
             </a:r>
-            <a:endParaRPr lang="ko-KR" altLang="en-US"/>
           </a:p>
         </p:txBody>
       </p:sp>
@@ -2211,7 +2198,6 @@
               <a:rPr lang="ko-KR" altLang="en-US"/>
               <a:t>마스터 제목 스타일 편집</a:t>
             </a:r>
-            <a:endParaRPr lang="ko-KR" altLang="en-US"/>
           </a:p>
         </p:txBody>
       </p:sp>
@@ -2470,7 +2456,6 @@
               <a:rPr lang="ko-KR" altLang="en-US"/>
               <a:t>마스터 제목 스타일 편집</a:t>
             </a:r>
-            <a:endParaRPr lang="ko-KR" altLang="en-US"/>
           </a:p>
         </p:txBody>
       </p:sp>
@@ -2532,7 +2517,6 @@
               <a:rPr lang="ko-KR" altLang="en-US"/>
               <a:t>다섯째 수준</a:t>
             </a:r>
-            <a:endParaRPr lang="ko-KR" altLang="en-US"/>
           </a:p>
         </p:txBody>
       </p:sp>
@@ -3324,10 +3308,10 @@
                   </a:schemeClr>
                 </a:solidFill>
               </a:rPr>
-              <a:t>어느 시스템에서 로그인을 하더라도 </a:t>
-            </a:r>
-            <a:r>
-              <a:rPr lang="ko-KR" altLang="en-US" sz="1200" b="1" dirty="0" err="1">
+              <a:t>어느 시스템에서 로그인을 하더라도 세션 값 유지</a:t>
+            </a:r>
+            <a:r>
+              <a:rPr lang="en-US" altLang="ko-KR" sz="1200" b="1" dirty="0">
                 <a:solidFill>
                   <a:schemeClr val="tx1">
                     <a:lumMod val="50000"/>
@@ -3335,10 +3319,16 @@
                   </a:schemeClr>
                 </a:solidFill>
               </a:rPr>
-              <a:t>세션값</a:t>
-            </a:r>
-            <a:r>
-              <a:rPr lang="ko-KR" altLang="en-US" sz="1200" b="1" dirty="0">
+              <a:t>.</a:t>
+            </a:r>
+          </a:p>
+          <a:p>
+            <a:pPr marL="171450" indent="-171450">
+              <a:buFontTx/>
+              <a:buChar char="-"/>
+            </a:pPr>
+            <a:r>
+              <a:rPr lang="en-US" altLang="ko-KR" sz="1200" b="1" dirty="0">
                 <a:solidFill>
                   <a:schemeClr val="tx1">
                     <a:lumMod val="50000"/>
@@ -3346,10 +3336,10 @@
                   </a:schemeClr>
                 </a:solidFill>
               </a:rPr>
-              <a:t> 유지</a:t>
-            </a:r>
-            <a:r>
-              <a:rPr lang="en-US" altLang="ko-KR" sz="1200" b="1" dirty="0">
+              <a:t>Groupware </a:t>
+            </a:r>
+            <a:r>
+              <a:rPr lang="ko-KR" altLang="en-US" sz="1200" b="1" dirty="0">
                 <a:solidFill>
                   <a:schemeClr val="tx1">
                     <a:lumMod val="50000"/>
@@ -3357,6 +3347,17 @@
                   </a:schemeClr>
                 </a:solidFill>
               </a:rPr>
+              <a:t>자동로그인</a:t>
+            </a:r>
+            <a:r>
+              <a:rPr lang="en-US" altLang="ko-KR" sz="1200" b="1" dirty="0">
+                <a:solidFill>
+                  <a:schemeClr val="tx1">
+                    <a:lumMod val="50000"/>
+                    <a:lumOff val="50000"/>
+                  </a:schemeClr>
+                </a:solidFill>
+              </a:rPr>
               <a:t>.</a:t>
             </a:r>
           </a:p>
@@ -3366,7 +3367,7 @@
               <a:buChar char="-"/>
             </a:pPr>
             <a:r>
-              <a:rPr lang="en-US" altLang="ko-KR" sz="1200" b="1" dirty="0">
+              <a:rPr lang="ko-KR" altLang="en-US" sz="1200" b="1" dirty="0">
                 <a:solidFill>
                   <a:schemeClr val="tx1">
                     <a:lumMod val="50000"/>
@@ -3374,10 +3375,10 @@
                   </a:schemeClr>
                 </a:solidFill>
               </a:rPr>
-              <a:t>Groupware </a:t>
-            </a:r>
-            <a:r>
-              <a:rPr lang="ko-KR" altLang="en-US" sz="1200" b="1" dirty="0">
+              <a:t>라온 시 </a:t>
+            </a:r>
+            <a:r>
+              <a:rPr lang="ko-KR" altLang="en-US" sz="1200" b="1" dirty="0" err="1">
                 <a:solidFill>
                   <a:schemeClr val="tx1">
                     <a:lumMod val="50000"/>
@@ -3385,10 +3386,10 @@
                   </a:schemeClr>
                 </a:solidFill>
               </a:rPr>
-              <a:t>자동로그인</a:t>
-            </a:r>
-            <a:r>
-              <a:rPr lang="en-US" altLang="ko-KR" sz="1200" b="1" dirty="0">
+              <a:t>큐어</a:t>
+            </a:r>
+            <a:r>
+              <a:rPr lang="ko-KR" altLang="en-US" sz="1200" b="1" dirty="0">
                 <a:solidFill>
                   <a:schemeClr val="tx1">
                     <a:lumMod val="50000"/>
@@ -3396,6 +3397,39 @@
                   </a:schemeClr>
                 </a:solidFill>
               </a:rPr>
+              <a:t> </a:t>
+            </a:r>
+            <a:r>
+              <a:rPr lang="en-US" altLang="ko-KR" sz="1200" b="1" dirty="0">
+                <a:solidFill>
+                  <a:schemeClr val="tx1">
+                    <a:lumMod val="50000"/>
+                    <a:lumOff val="50000"/>
+                  </a:schemeClr>
+                </a:solidFill>
+              </a:rPr>
+              <a:t>SSO </a:t>
+            </a:r>
+            <a:r>
+              <a:rPr lang="ko-KR" altLang="en-US" sz="1200" b="1" dirty="0">
+                <a:solidFill>
+                  <a:schemeClr val="tx1">
+                    <a:lumMod val="50000"/>
+                    <a:lumOff val="50000"/>
+                  </a:schemeClr>
+                </a:solidFill>
+              </a:rPr>
+              <a:t>인증 모듈 설치</a:t>
+            </a:r>
+            <a:r>
+              <a:rPr lang="en-US" altLang="ko-KR" sz="1200" b="1" dirty="0">
+                <a:solidFill>
+                  <a:schemeClr val="tx1">
+                    <a:lumMod val="50000"/>
+                    <a:lumOff val="50000"/>
+                  </a:schemeClr>
+                </a:solidFill>
+              </a:rPr>
               <a:t>.</a:t>
             </a:r>
           </a:p>
@@ -3405,7 +3439,7 @@
               <a:buChar char="-"/>
             </a:pPr>
             <a:r>
-              <a:rPr lang="ko-KR" altLang="en-US" sz="1200" b="1" dirty="0" err="1">
+              <a:rPr lang="en-US" altLang="ko-KR" sz="1200" b="1" dirty="0">
                 <a:solidFill>
                   <a:schemeClr val="tx1">
                     <a:lumMod val="50000"/>
@@ -3413,7 +3447,7 @@
                   </a:schemeClr>
                 </a:solidFill>
               </a:rPr>
-              <a:t>라온시큐어</a:t>
+              <a:t>1</a:t>
             </a:r>
             <a:r>
               <a:rPr lang="ko-KR" altLang="en-US" sz="1200" b="1" dirty="0">
@@ -3424,7 +3458,7 @@
                   </a:schemeClr>
                 </a:solidFill>
               </a:rPr>
-              <a:t> </a:t>
+              <a:t>회성의 토큰 인증방식 적용</a:t>
             </a:r>
             <a:r>
               <a:rPr lang="en-US" altLang="ko-KR" sz="1200" b="1" dirty="0">
@@ -3435,10 +3469,16 @@
                   </a:schemeClr>
                 </a:solidFill>
               </a:rPr>
-              <a:t>SSO </a:t>
-            </a:r>
-            <a:r>
-              <a:rPr lang="ko-KR" altLang="en-US" sz="1200" b="1" dirty="0" err="1">
+              <a:t>. </a:t>
+            </a:r>
+          </a:p>
+          <a:p>
+            <a:pPr marL="171450" indent="-171450">
+              <a:buFontTx/>
+              <a:buChar char="-"/>
+            </a:pPr>
+            <a:r>
+              <a:rPr lang="ko-KR" altLang="en-US" sz="1200" b="1" dirty="0">
                 <a:solidFill>
                   <a:schemeClr val="tx1">
                     <a:lumMod val="50000"/>
@@ -3446,10 +3486,10 @@
                   </a:schemeClr>
                 </a:solidFill>
               </a:rPr>
-              <a:t>인증모듈</a:t>
-            </a:r>
-            <a:r>
-              <a:rPr lang="ko-KR" altLang="en-US" sz="1200" b="1" dirty="0">
+              <a:t>인증 시 </a:t>
+            </a:r>
+            <a:r>
+              <a:rPr lang="en-US" altLang="ko-KR" sz="1200" b="1" dirty="0">
                 <a:solidFill>
                   <a:schemeClr val="tx1">
                     <a:lumMod val="50000"/>
@@ -3457,10 +3497,10 @@
                   </a:schemeClr>
                 </a:solidFill>
               </a:rPr>
-              <a:t> 설치</a:t>
-            </a:r>
-            <a:r>
-              <a:rPr lang="en-US" altLang="ko-KR" sz="1200" b="1" dirty="0">
+              <a:t>Groupware </a:t>
+            </a:r>
+            <a:r>
+              <a:rPr lang="ko-KR" altLang="en-US" sz="1200" b="1" dirty="0">
                 <a:solidFill>
                   <a:schemeClr val="tx1">
                     <a:lumMod val="50000"/>
@@ -3468,118 +3508,7 @@
                   </a:schemeClr>
                 </a:solidFill>
               </a:rPr>
-              <a:t>.</a:t>
-            </a:r>
-          </a:p>
-          <a:p>
-            <a:pPr marL="171450" indent="-171450">
-              <a:buFontTx/>
-              <a:buChar char="-"/>
-            </a:pPr>
-            <a:r>
-              <a:rPr lang="en-US" altLang="ko-KR" sz="1200" b="1" dirty="0">
-                <a:solidFill>
-                  <a:schemeClr val="tx1">
-                    <a:lumMod val="50000"/>
-                    <a:lumOff val="50000"/>
-                  </a:schemeClr>
-                </a:solidFill>
-              </a:rPr>
-              <a:t>1</a:t>
-            </a:r>
-            <a:r>
-              <a:rPr lang="ko-KR" altLang="en-US" sz="1200" b="1" dirty="0">
-                <a:solidFill>
-                  <a:schemeClr val="tx1">
-                    <a:lumMod val="50000"/>
-                    <a:lumOff val="50000"/>
-                  </a:schemeClr>
-                </a:solidFill>
-              </a:rPr>
-              <a:t>회성의 토큰 인증방식 적용</a:t>
-            </a:r>
-            <a:r>
-              <a:rPr lang="en-US" altLang="ko-KR" sz="1200" b="1" dirty="0">
-                <a:solidFill>
-                  <a:schemeClr val="tx1">
-                    <a:lumMod val="50000"/>
-                    <a:lumOff val="50000"/>
-                  </a:schemeClr>
-                </a:solidFill>
-              </a:rPr>
-              <a:t>. </a:t>
-            </a:r>
-          </a:p>
-          <a:p>
-            <a:pPr marL="171450" indent="-171450">
-              <a:buFontTx/>
-              <a:buChar char="-"/>
-            </a:pPr>
-            <a:r>
-              <a:rPr lang="ko-KR" altLang="en-US" sz="1200" b="1" dirty="0" err="1">
-                <a:solidFill>
-                  <a:schemeClr val="tx1">
-                    <a:lumMod val="50000"/>
-                    <a:lumOff val="50000"/>
-                  </a:schemeClr>
-                </a:solidFill>
-              </a:rPr>
-              <a:t>인증시</a:t>
-            </a:r>
-            <a:r>
-              <a:rPr lang="ko-KR" altLang="en-US" sz="1200" b="1" dirty="0">
-                <a:solidFill>
-                  <a:schemeClr val="tx1">
-                    <a:lumMod val="50000"/>
-                    <a:lumOff val="50000"/>
-                  </a:schemeClr>
-                </a:solidFill>
-              </a:rPr>
-              <a:t> </a:t>
-            </a:r>
-            <a:r>
-              <a:rPr lang="en-US" altLang="ko-KR" sz="1200" b="1" dirty="0">
-                <a:solidFill>
-                  <a:schemeClr val="tx1">
-                    <a:lumMod val="50000"/>
-                    <a:lumOff val="50000"/>
-                  </a:schemeClr>
-                </a:solidFill>
-              </a:rPr>
-              <a:t>Groupware </a:t>
-            </a:r>
-            <a:r>
-              <a:rPr lang="ko-KR" altLang="en-US" sz="1200" b="1" dirty="0">
-                <a:solidFill>
-                  <a:schemeClr val="tx1">
-                    <a:lumMod val="50000"/>
-                    <a:lumOff val="50000"/>
-                  </a:schemeClr>
-                </a:solidFill>
-              </a:rPr>
-              <a:t>로그인 </a:t>
-            </a:r>
-            <a:r>
-              <a:rPr lang="ko-KR" altLang="en-US" sz="1200" b="1" dirty="0" err="1">
-                <a:solidFill>
-                  <a:schemeClr val="tx1">
-                    <a:lumMod val="50000"/>
-                    <a:lumOff val="50000"/>
-                  </a:schemeClr>
-                </a:solidFill>
-              </a:rPr>
-              <a:t>자동인증되도록</a:t>
-            </a:r>
-            <a:r>
-              <a:rPr lang="ko-KR" altLang="en-US" sz="1200" b="1" dirty="0">
-                <a:solidFill>
-                  <a:schemeClr val="tx1">
-                    <a:lumMod val="50000"/>
-                    <a:lumOff val="50000"/>
-                  </a:schemeClr>
-                </a:solidFill>
-              </a:rPr>
-              <a:t> 적용</a:t>
+              <a:t>로그인 자동 인증 되도록 적용</a:t>
             </a:r>
             <a:r>
               <a:rPr lang="en-US" altLang="ko-KR" sz="1200" b="1" dirty="0">
@@ -5837,7 +5766,7 @@
               <a:buChar char="-"/>
             </a:pPr>
             <a:r>
-              <a:rPr lang="ko-KR" altLang="en-US" sz="1200" b="1" dirty="0" err="1">
+              <a:rPr lang="ko-KR" altLang="en-US" sz="1200" b="1" dirty="0">
                 <a:solidFill>
                   <a:schemeClr val="tx1">
                     <a:lumMod val="50000"/>
@@ -5845,10 +5774,10 @@
                   </a:schemeClr>
                 </a:solidFill>
               </a:rPr>
-              <a:t>발송시</a:t>
-            </a:r>
-            <a:r>
-              <a:rPr lang="ko-KR" altLang="en-US" sz="1200" b="1" dirty="0">
+              <a:t>발송 시 </a:t>
+            </a:r>
+            <a:r>
+              <a:rPr lang="en-US" altLang="ko-KR" sz="1200" b="1" dirty="0">
                 <a:solidFill>
                   <a:schemeClr val="tx1">
                     <a:lumMod val="50000"/>
@@ -5856,10 +5785,10 @@
                   </a:schemeClr>
                 </a:solidFill>
               </a:rPr>
-              <a:t> </a:t>
-            </a:r>
-            <a:r>
-              <a:rPr lang="en-US" altLang="ko-KR" sz="1200" b="1" dirty="0">
+              <a:t>MMS Server </a:t>
+            </a:r>
+            <a:r>
+              <a:rPr lang="ko-KR" altLang="en-US" sz="1200" b="1" dirty="0">
                 <a:solidFill>
                   <a:schemeClr val="tx1">
                     <a:lumMod val="50000"/>
@@ -5867,10 +5796,10 @@
                   </a:schemeClr>
                 </a:solidFill>
               </a:rPr>
-              <a:t>MMS Server </a:t>
-            </a:r>
-            <a:r>
-              <a:rPr lang="ko-KR" altLang="en-US" sz="1200" b="1" dirty="0">
+              <a:t>에 </a:t>
+            </a:r>
+            <a:r>
+              <a:rPr lang="en-US" altLang="ko-KR" sz="1200" b="1" dirty="0">
                 <a:solidFill>
                   <a:schemeClr val="tx1">
                     <a:lumMod val="50000"/>
@@ -5878,29 +5807,7 @@
                   </a:schemeClr>
                 </a:solidFill>
               </a:rPr>
-              <a:t>에 </a:t>
-            </a:r>
-            <a:r>
-              <a:rPr lang="en-US" altLang="ko-KR" sz="1200" b="1" dirty="0" err="1">
-                <a:solidFill>
-                  <a:schemeClr val="tx1">
-                    <a:lumMod val="50000"/>
-                    <a:lumOff val="50000"/>
-                  </a:schemeClr>
-                </a:solidFill>
-              </a:rPr>
-              <a:t>Webservice</a:t>
-            </a:r>
-            <a:r>
-              <a:rPr lang="en-US" altLang="ko-KR" sz="1200" b="1" dirty="0">
-                <a:solidFill>
-                  <a:schemeClr val="tx1">
-                    <a:lumMod val="50000"/>
-                    <a:lumOff val="50000"/>
-                  </a:schemeClr>
-                </a:solidFill>
-              </a:rPr>
-              <a:t> </a:t>
+              <a:t>Web service </a:t>
             </a:r>
             <a:r>
               <a:rPr lang="ko-KR" altLang="en-US" sz="1200" b="1" dirty="0">
@@ -6000,7 +5907,7 @@
               <a:buChar char="-"/>
             </a:pPr>
             <a:r>
-              <a:rPr lang="ko-KR" altLang="en-US" sz="1200" b="1" dirty="0" err="1">
+              <a:rPr lang="ko-KR" altLang="en-US" sz="1200" b="1" dirty="0">
                 <a:solidFill>
                   <a:schemeClr val="tx1">
                     <a:lumMod val="50000"/>
@@ -6008,10 +5915,10 @@
                   </a:schemeClr>
                 </a:solidFill>
               </a:rPr>
-              <a:t>예약발송시</a:t>
-            </a:r>
-            <a:r>
-              <a:rPr lang="ko-KR" altLang="en-US" sz="1200" b="1" dirty="0">
+              <a:t>예약 발송 시 예약발송 구분 값 저장</a:t>
+            </a:r>
+            <a:r>
+              <a:rPr lang="en-US" altLang="ko-KR" sz="1200" b="1" dirty="0">
                 <a:solidFill>
                   <a:schemeClr val="tx1">
                     <a:lumMod val="50000"/>
@@ -6019,10 +5926,16 @@
                   </a:schemeClr>
                 </a:solidFill>
               </a:rPr>
-              <a:t> 예약발송 </a:t>
-            </a:r>
-            <a:r>
-              <a:rPr lang="ko-KR" altLang="en-US" sz="1200" b="1" dirty="0" err="1">
+              <a:t>.</a:t>
+            </a:r>
+          </a:p>
+          <a:p>
+            <a:pPr marL="171450" indent="-171450">
+              <a:buFontTx/>
+              <a:buChar char="-"/>
+            </a:pPr>
+            <a:r>
+              <a:rPr lang="ko-KR" altLang="en-US" sz="1200" b="1" dirty="0">
                 <a:solidFill>
                   <a:schemeClr val="tx1">
                     <a:lumMod val="50000"/>
@@ -6030,68 +5943,7 @@
                   </a:schemeClr>
                 </a:solidFill>
               </a:rPr>
-              <a:t>구분값</a:t>
-            </a:r>
-            <a:r>
-              <a:rPr lang="ko-KR" altLang="en-US" sz="1200" b="1" dirty="0">
-                <a:solidFill>
-                  <a:schemeClr val="tx1">
-                    <a:lumMod val="50000"/>
-                    <a:lumOff val="50000"/>
-                  </a:schemeClr>
-                </a:solidFill>
-              </a:rPr>
-              <a:t> 저장</a:t>
-            </a:r>
-            <a:r>
-              <a:rPr lang="en-US" altLang="ko-KR" sz="1200" b="1" dirty="0">
-                <a:solidFill>
-                  <a:schemeClr val="tx1">
-                    <a:lumMod val="50000"/>
-                    <a:lumOff val="50000"/>
-                  </a:schemeClr>
-                </a:solidFill>
-              </a:rPr>
-              <a:t>.</a:t>
-            </a:r>
-          </a:p>
-          <a:p>
-            <a:pPr marL="171450" indent="-171450">
-              <a:buFontTx/>
-              <a:buChar char="-"/>
-            </a:pPr>
-            <a:r>
-              <a:rPr lang="ko-KR" altLang="en-US" sz="1200" b="1" dirty="0">
-                <a:solidFill>
-                  <a:schemeClr val="tx1">
-                    <a:lumMod val="50000"/>
-                    <a:lumOff val="50000"/>
-                  </a:schemeClr>
-                </a:solidFill>
-              </a:rPr>
-              <a:t>윈도우 </a:t>
-            </a:r>
-            <a:r>
-              <a:rPr lang="ko-KR" altLang="en-US" sz="1200" b="1" dirty="0" err="1">
-                <a:solidFill>
-                  <a:schemeClr val="tx1">
-                    <a:lumMod val="50000"/>
-                    <a:lumOff val="50000"/>
-                  </a:schemeClr>
-                </a:solidFill>
-              </a:rPr>
-              <a:t>스케쥴러를</a:t>
-            </a:r>
-            <a:r>
-              <a:rPr lang="ko-KR" altLang="en-US" sz="1200" b="1" dirty="0">
-                <a:solidFill>
-                  <a:schemeClr val="tx1">
-                    <a:lumMod val="50000"/>
-                    <a:lumOff val="50000"/>
-                  </a:schemeClr>
-                </a:solidFill>
-              </a:rPr>
-              <a:t> 통한 주기적 발송</a:t>
+              <a:t>윈도우 스케쥴을 통한 주기적 발송</a:t>
             </a:r>
             <a:r>
               <a:rPr lang="en-US" altLang="ko-KR" sz="1200" b="1" dirty="0">
